--- a/Scripts/Logoer - Runde/Logoer (3).pptx
+++ b/Scripts/Logoer - Runde/Logoer (3).pptx
@@ -250,7 +250,7 @@
       <p15:sldGuideLst xmlns:p15="http://schemas.microsoft.com/office/powerpoint/2012/main"/>
     </p:ext>
     <p:ext uri="http://customooxmlschemas.google.com/">
-      <go:slidesCustomData xmlns="" xmlns:mc="http://schemas.openxmlformats.org/markup-compatibility/2006" xmlns:mv="urn:schemas-microsoft-com:mac:vml" xmlns:c="http://schemas.openxmlformats.org/drawingml/2006/chart" xmlns:dgm="http://schemas.openxmlformats.org/drawingml/2006/diagram" xmlns:o="urn:schemas-microsoft-com:office:office" xmlns:v="urn:schemas-microsoft-com:vml" xmlns:pvml="urn:schemas-microsoft-com:office:powerpoint" xmlns:com="http://schemas.openxmlformats.org/drawingml/2006/compatibility" xmlns:p14="http://schemas.microsoft.com/office/powerpoint/2010/main" xmlns:p15="http://schemas.microsoft.com/office/powerpoint/2012/main" xmlns:ahyp="http://schemas.microsoft.com/office/drawing/2018/hyperlinkcolor" xmlns:go="http://customooxmlschemas.google.com/" r:id="rId9" roundtripDataSignature="AMtx7mja4PMb0C0nsGjhKQ0yS/5OgVQsjg=="/>
+      <go:slidesCustomData xmlns:go="http://customooxmlschemas.google.com/" xmlns:ahyp="http://schemas.microsoft.com/office/drawing/2018/hyperlinkcolor" xmlns:p15="http://schemas.microsoft.com/office/powerpoint/2012/main" xmlns:p14="http://schemas.microsoft.com/office/powerpoint/2010/main" xmlns:com="http://schemas.openxmlformats.org/drawingml/2006/compatibility" xmlns:pvml="urn:schemas-microsoft-com:office:powerpoint" xmlns:v="urn:schemas-microsoft-com:vml" xmlns:o="urn:schemas-microsoft-com:office:office" xmlns:dgm="http://schemas.openxmlformats.org/drawingml/2006/diagram" xmlns:c="http://schemas.openxmlformats.org/drawingml/2006/chart" xmlns:mv="urn:schemas-microsoft-com:mac:vml" xmlns:mc="http://schemas.openxmlformats.org/markup-compatibility/2006" xmlns="" r:id="rId9" roundtripDataSignature="AMtx7mja4PMb0C0nsGjhKQ0yS/5OgVQsjg=="/>
     </p:ext>
   </p:extLst>
 </p:presentation>
@@ -13164,103 +13164,84 @@
           <a:chExt cx="0" cy="0"/>
         </a:xfrm>
       </p:grpSpPr>
-      <p:sp>
-        <p:nvSpPr>
-          <p:cNvPr id="2" name="Ellipse 1">
+      <p:pic>
+        <p:nvPicPr>
+          <p:cNvPr id="8" name="Google Shape;97;p2" descr="Et bilde som inneholder kart&#10;&#10;Automatisk generert beskrivelse">
             <a:extLst>
               <a:ext uri="{FF2B5EF4-FFF2-40B4-BE49-F238E27FC236}">
-                <a16:creationId xmlns:a16="http://schemas.microsoft.com/office/drawing/2014/main" id="{5D15C9C8-7CF3-E27E-6ABE-59F03FED6EE9}"/>
+                <a16:creationId xmlns:a16="http://schemas.microsoft.com/office/drawing/2014/main" id="{85B622D7-AD36-AD78-E01C-784E337C126B}"/>
               </a:ext>
             </a:extLst>
           </p:cNvPr>
-          <p:cNvSpPr/>
+          <p:cNvPicPr preferRelativeResize="0"/>
           <p:nvPr/>
-        </p:nvSpPr>
+        </p:nvPicPr>
+        <p:blipFill rotWithShape="1">
+          <a:blip r:embed="rId2">
+            <a:alphaModFix/>
+            <a:extLst>
+              <a:ext uri="{BEBA8EAE-BF5A-486C-A8C5-ECC9F3942E4B}">
+                <a14:imgProps xmlns:a14="http://schemas.microsoft.com/office/drawing/2010/main">
+                  <a14:imgLayer r:embed="rId3">
+                    <a14:imgEffect>
+                      <a14:backgroundRemoval t="4000" b="95667" l="2532" r="97468">
+                        <a14:foregroundMark x1="56118" y1="71000" x2="52321" y2="30000"/>
+                        <a14:foregroundMark x1="45148" y1="72667" x2="29114" y2="28667"/>
+                        <a14:foregroundMark x1="29114" y1="28667" x2="52321" y2="66333"/>
+                        <a14:foregroundMark x1="44726" y1="80000" x2="13080" y2="43333"/>
+                        <a14:foregroundMark x1="13080" y1="43333" x2="12658" y2="41333"/>
+                        <a14:foregroundMark x1="40928" y1="81667" x2="72152" y2="75000"/>
+                        <a14:foregroundMark x1="72152" y1="75000" x2="82278" y2="44333"/>
+                        <a14:foregroundMark x1="82278" y1="44333" x2="80591" y2="30000"/>
+                        <a14:foregroundMark x1="78481" y1="12667" x2="23207" y2="15667"/>
+                        <a14:foregroundMark x1="23207" y1="15667" x2="22363" y2="16000"/>
+                        <a14:foregroundMark x1="36287" y1="88667" x2="51055" y2="29667"/>
+                        <a14:foregroundMark x1="51055" y1="29667" x2="56962" y2="23667"/>
+                        <a14:foregroundMark x1="71730" y1="50000" x2="25316" y2="46000"/>
+                        <a14:foregroundMark x1="69620" y1="84000" x2="66667" y2="33000"/>
+                        <a14:foregroundMark x1="66667" y1="33000" x2="65823" y2="32000"/>
+                        <a14:foregroundMark x1="84810" y1="68000" x2="81857" y2="13333"/>
+                        <a14:foregroundMark x1="67511" y1="6667" x2="43038" y2="6667"/>
+                        <a14:foregroundMark x1="22363" y1="10000" x2="10549" y2="28667"/>
+                        <a14:foregroundMark x1="10549" y1="28667" x2="24051" y2="75667"/>
+                        <a14:foregroundMark x1="24051" y1="75667" x2="29958" y2="81333"/>
+                        <a14:foregroundMark x1="44304" y1="88667" x2="79325" y2="81667"/>
+                        <a14:foregroundMark x1="79325" y1="81667" x2="85654" y2="29000"/>
+                        <a14:foregroundMark x1="85654" y1="29000" x2="83544" y2="6667"/>
+                        <a14:foregroundMark x1="83544" y1="6667" x2="72574" y2="4333"/>
+                        <a14:foregroundMark x1="52321" y1="95667" x2="39241" y2="89667"/>
+                        <a14:foregroundMark x1="74684" y1="78000" x2="52321" y2="74667"/>
+                        <a14:foregroundMark x1="52321" y1="74667" x2="51899" y2="72667"/>
+                        <a14:foregroundMark x1="90717" y1="59000" x2="89030" y2="49333"/>
+                        <a14:foregroundMark x1="94937" y1="50333" x2="90717" y2="50333"/>
+                        <a14:foregroundMark x1="6329" y1="48667" x2="6329" y2="48667"/>
+                        <a14:foregroundMark x1="2532" y1="49667" x2="17722" y2="46333"/>
+                        <a14:foregroundMark x1="96624" y1="52333" x2="84810" y2="51000"/>
+                        <a14:foregroundMark x1="74684" y1="76000" x2="77637" y2="77333"/>
+                        <a14:foregroundMark x1="97468" y1="51667" x2="91561" y2="51000"/>
+                        <a14:foregroundMark x1="96203" y1="50000" x2="97468" y2="50000"/>
+                      </a14:backgroundRemoval>
+                    </a14:imgEffect>
+                  </a14:imgLayer>
+                </a14:imgProps>
+              </a:ext>
+            </a:extLst>
+          </a:blip>
+          <a:srcRect l="-20849" t="-10784" r="-19160" b="472"/>
+          <a:stretch/>
+        </p:blipFill>
         <p:spPr>
           <a:xfrm>
-            <a:off x="3576000" y="909000"/>
-            <a:ext cx="5040000" cy="5040000"/>
+            <a:off x="3838575" y="1176618"/>
+            <a:ext cx="3160620" cy="3152213"/>
           </a:xfrm>
           <a:prstGeom prst="ellipse">
             <a:avLst/>
           </a:prstGeom>
-          <a:solidFill>
-            <a:schemeClr val="bg1"/>
-          </a:solidFill>
+          <a:noFill/>
           <a:ln>
             <a:noFill/>
           </a:ln>
-        </p:spPr>
-        <p:style>
-          <a:lnRef idx="2">
-            <a:schemeClr val="accent1">
-              <a:shade val="50000"/>
-            </a:schemeClr>
-          </a:lnRef>
-          <a:fillRef idx="1">
-            <a:schemeClr val="accent1"/>
-          </a:fillRef>
-          <a:effectRef idx="0">
-            <a:schemeClr val="accent1"/>
-          </a:effectRef>
-          <a:fontRef idx="minor">
-            <a:schemeClr val="lt1"/>
-          </a:fontRef>
-        </p:style>
-        <p:txBody>
-          <a:bodyPr rtlCol="0" anchor="ctr"/>
-          <a:lstStyle/>
-          <a:p>
-            <a:pPr algn="ctr"/>
-            <a:endParaRPr lang="nb-NO"/>
-          </a:p>
-        </p:txBody>
-      </p:sp>
-      <p:pic>
-        <p:nvPicPr>
-          <p:cNvPr id="1026" name="Picture 2" descr="Ingen bildebeskrivelse er tilgjengelig.">
-            <a:extLst>
-              <a:ext uri="{FF2B5EF4-FFF2-40B4-BE49-F238E27FC236}">
-                <a16:creationId xmlns:a16="http://schemas.microsoft.com/office/drawing/2014/main" id="{5EA0878B-5195-5C74-B01A-BCD70EDBEFF6}"/>
-              </a:ext>
-            </a:extLst>
-          </p:cNvPr>
-          <p:cNvPicPr>
-            <a:picLocks noChangeAspect="1" noChangeArrowheads="1"/>
-          </p:cNvPicPr>
-          <p:nvPr/>
-        </p:nvPicPr>
-        <p:blipFill>
-          <a:blip r:embed="rId2">
-            <a:extLst>
-              <a:ext uri="{28A0092B-C50C-407E-A947-70E740481C1C}">
-                <a14:useLocalDpi xmlns:a14="http://schemas.microsoft.com/office/drawing/2010/main" val="0"/>
-              </a:ext>
-            </a:extLst>
-          </a:blip>
-          <a:srcRect/>
-          <a:stretch>
-            <a:fillRect/>
-          </a:stretch>
-        </p:blipFill>
-        <p:spPr bwMode="auto">
-          <a:xfrm>
-            <a:off x="3727997" y="2247951"/>
-            <a:ext cx="4736007" cy="2362098"/>
-          </a:xfrm>
-          <a:prstGeom prst="roundRect">
-            <a:avLst/>
-          </a:prstGeom>
-          <a:noFill/>
-          <a:extLst>
-            <a:ext uri="{909E8E84-426E-40DD-AFC4-6F175D3DCCD1}">
-              <a14:hiddenFill xmlns:a14="http://schemas.microsoft.com/office/drawing/2010/main">
-                <a:solidFill>
-                  <a:srgbClr val="FFFFFF"/>
-                </a:solidFill>
-              </a14:hiddenFill>
-            </a:ext>
-          </a:extLst>
         </p:spPr>
       </p:pic>
     </p:spTree>
